--- a/Research School/Retreat/Fall 2014/retreat release/A.Amirkhanyan/Aragats_Amirkhanyan_Fall_Retreat_2014.pptx
+++ b/Research School/Retreat/Fall 2014/retreat release/A.Amirkhanyan/Aragats_Amirkhanyan_Fall_Retreat_2014.pptx
@@ -126,7 +126,7 @@
   </p:defaultTextStyle>
   <p:extLst>
     <p:ext uri="{EFAFB233-063F-42B5-8137-9DF3F51BA10A}">
-      <p15:sldGuideLst xmlns:p15="http://schemas.microsoft.com/office/powerpoint/2012/main" xmlns="">
+      <p15:sldGuideLst xmlns="" xmlns:p15="http://schemas.microsoft.com/office/powerpoint/2012/main">
         <p15:guide id="1" orient="horz" pos="781">
           <p15:clr>
             <a:srgbClr val="A4A3A4"/>
@@ -215,7 +215,7 @@
       </p15:sldGuideLst>
     </p:ext>
     <p:ext uri="{2D200454-40CA-4A62-9FC3-DE9A4176ACB9}">
-      <p15:notesGuideLst xmlns:p15="http://schemas.microsoft.com/office/powerpoint/2012/main" xmlns="">
+      <p15:notesGuideLst xmlns="" xmlns:p15="http://schemas.microsoft.com/office/powerpoint/2012/main">
         <p15:guide id="1" orient="horz" pos="2676">
           <p15:clr>
             <a:srgbClr val="A4A3A4"/>
@@ -349,7 +349,7 @@
             <a:fld id="{AA592FF2-A4BD-4E98-AC76-A10007E04C10}" type="datetimeFigureOut">
               <a:rPr lang="en-US" smtClean="0"/>
               <a:pPr/>
-              <a:t>9/23/2014</a:t>
+              <a:t>9/25/2014</a:t>
             </a:fld>
             <a:endParaRPr lang="en-US" dirty="0"/>
           </a:p>
@@ -1206,7 +1206,7 @@
             <a:fld id="{AA592FF2-A4BD-4E98-AC76-A10007E04C10}" type="datetimeFigureOut">
               <a:rPr lang="en-US" smtClean="0"/>
               <a:pPr/>
-              <a:t>9/23/2014</a:t>
+              <a:t>9/25/2014</a:t>
             </a:fld>
             <a:endParaRPr lang="en-US" dirty="0"/>
           </a:p>
@@ -11979,15 +11979,7 @@
             </a:pPr>
             <a:r>
               <a:rPr lang="en-US" dirty="0" smtClean="0"/>
-              <a:t>Experiment simulation with </a:t>
-            </a:r>
-            <a:r>
-              <a:rPr lang="en-US" dirty="0" smtClean="0"/>
-              <a:t>a test </a:t>
-            </a:r>
-            <a:r>
-              <a:rPr lang="en-US" dirty="0" smtClean="0"/>
-              <a:t>network of enterprise or campus level</a:t>
+              <a:t>Experiment simulation with a test network of enterprise or campus level</a:t>
             </a:r>
           </a:p>
           <a:p>
@@ -12420,7 +12412,6 @@
               <a:rPr lang="en-US" dirty="0" smtClean="0"/>
               <a:t>Data</a:t>
             </a:r>
-            <a:endParaRPr lang="en-US" dirty="0" smtClean="0"/>
           </a:p>
           <a:p>
             <a:pPr marL="342900" indent="-342900">
@@ -12432,11 +12423,7 @@
             </a:pPr>
             <a:r>
               <a:rPr lang="en-US" dirty="0" smtClean="0"/>
-              <a:t>Test </a:t>
-            </a:r>
-            <a:r>
-              <a:rPr lang="en-US" dirty="0" smtClean="0"/>
-              <a:t>network environment              			</a:t>
+              <a:t>Test network environment              			</a:t>
             </a:r>
           </a:p>
           <a:p>
@@ -12768,11 +12755,7 @@
             <a:pPr lvl="1"/>
             <a:r>
               <a:rPr lang="en-US" dirty="0" smtClean="0"/>
-              <a:t>User </a:t>
-            </a:r>
-            <a:r>
-              <a:rPr lang="en-US" dirty="0" smtClean="0"/>
-              <a:t>behavior - Normal scenario</a:t>
+              <a:t>User behavior - Normal scenario</a:t>
             </a:r>
           </a:p>
           <a:p>
@@ -15363,7 +15346,7 @@
   <a:extraClrSchemeLst/>
   <a:extLst>
     <a:ext uri="{05A4C25C-085E-4340-85A3-A5531E510DB2}">
-      <thm15:themeFamily xmlns:thm15="http://schemas.microsoft.com/office/thememl/2012/main" xmlns="" name="TEMPLATE_HPI_05_EXP" id="{EEEEA749-3836-4DC6-BA52-AE8D0ADE122A}" vid="{1AF48529-3759-4302-91D0-708D448B88CB}"/>
+      <thm15:themeFamily xmlns="" xmlns:thm15="http://schemas.microsoft.com/office/thememl/2012/main" name="TEMPLATE_HPI_05_EXP" id="{EEEEA749-3836-4DC6-BA52-AE8D0ADE122A}" vid="{1AF48529-3759-4302-91D0-708D448B88CB}"/>
     </a:ext>
   </a:extLst>
 </a:theme>

--- a/Research School/Retreat/Fall 2014/retreat release/A.Amirkhanyan/Aragats_Amirkhanyan_Fall_Retreat_2014.pptx
+++ b/Research School/Retreat/Fall 2014/retreat release/A.Amirkhanyan/Aragats_Amirkhanyan_Fall_Retreat_2014.pptx
@@ -11979,7 +11979,11 @@
             </a:pPr>
             <a:r>
               <a:rPr lang="en-US" dirty="0" smtClean="0"/>
-              <a:t>Experiment simulation with a test network of enterprise or campus level</a:t>
+              <a:t>A </a:t>
+            </a:r>
+            <a:r>
+              <a:rPr lang="en-US" dirty="0" smtClean="0"/>
+              <a:t>test network of enterprise or campus level</a:t>
             </a:r>
           </a:p>
           <a:p>
@@ -11991,12 +11995,12 @@
               <a:buChar char="§"/>
             </a:pPr>
             <a:r>
-              <a:rPr lang="en-US" dirty="0"/>
-              <a:t>Experiment simulation </a:t>
-            </a:r>
-            <a:r>
               <a:rPr lang="en-US" dirty="0" smtClean="0"/>
-              <a:t>with large amount of users</a:t>
+              <a:t>Large </a:t>
+            </a:r>
+            <a:r>
+              <a:rPr lang="en-US" dirty="0" smtClean="0"/>
+              <a:t>amount of users</a:t>
             </a:r>
           </a:p>
           <a:p>
@@ -12008,8 +12012,12 @@
               <a:buChar char="§"/>
             </a:pPr>
             <a:r>
+              <a:rPr lang="en-US" smtClean="0"/>
+              <a:t>Random </a:t>
+            </a:r>
+            <a:r>
               <a:rPr lang="en-US" dirty="0" smtClean="0"/>
-              <a:t>Experiment simulation with random user behavior</a:t>
+              <a:t>user behavior</a:t>
             </a:r>
             <a:endParaRPr lang="en-US" dirty="0"/>
           </a:p>
@@ -12748,8 +12756,9 @@
             <a:pPr lvl="1"/>
             <a:r>
               <a:rPr lang="en-US" dirty="0" smtClean="0"/>
-              <a:t>Architecture</a:t>
-            </a:r>
+              <a:t>Network architecture</a:t>
+            </a:r>
+            <a:endParaRPr lang="en-US" dirty="0" smtClean="0"/>
           </a:p>
           <a:p>
             <a:pPr lvl="1"/>
@@ -12874,8 +12883,12 @@
               <a:t>- </a:t>
             </a:r>
             <a:r>
-              <a:rPr lang="en-US" dirty="0" smtClean="0"/>
-              <a:t>Architecture</a:t>
+              <a:rPr lang="de-DE" dirty="0" smtClean="0"/>
+              <a:t>Network a</a:t>
+            </a:r>
+            <a:r>
+              <a:rPr lang="en-US" dirty="0" err="1" smtClean="0"/>
+              <a:t>rchitecture</a:t>
             </a:r>
             <a:endParaRPr lang="de-DE" dirty="0"/>
           </a:p>

--- a/Research School/Retreat/Fall 2014/retreat release/A.Amirkhanyan/Aragats_Amirkhanyan_Fall_Retreat_2014.pptx
+++ b/Research School/Retreat/Fall 2014/retreat release/A.Amirkhanyan/Aragats_Amirkhanyan_Fall_Retreat_2014.pptx
@@ -126,7 +126,7 @@
   </p:defaultTextStyle>
   <p:extLst>
     <p:ext uri="{EFAFB233-063F-42B5-8137-9DF3F51BA10A}">
-      <p15:sldGuideLst xmlns="" xmlns:p15="http://schemas.microsoft.com/office/powerpoint/2012/main">
+      <p15:sldGuideLst xmlns:p15="http://schemas.microsoft.com/office/powerpoint/2012/main" xmlns="">
         <p15:guide id="1" orient="horz" pos="781">
           <p15:clr>
             <a:srgbClr val="A4A3A4"/>
@@ -215,7 +215,7 @@
       </p15:sldGuideLst>
     </p:ext>
     <p:ext uri="{2D200454-40CA-4A62-9FC3-DE9A4176ACB9}">
-      <p15:notesGuideLst xmlns="" xmlns:p15="http://schemas.microsoft.com/office/powerpoint/2012/main">
+      <p15:notesGuideLst xmlns:p15="http://schemas.microsoft.com/office/powerpoint/2012/main" xmlns="">
         <p15:guide id="1" orient="horz" pos="2676">
           <p15:clr>
             <a:srgbClr val="A4A3A4"/>
@@ -349,7 +349,7 @@
             <a:fld id="{AA592FF2-A4BD-4E98-AC76-A10007E04C10}" type="datetimeFigureOut">
               <a:rPr lang="en-US" smtClean="0"/>
               <a:pPr/>
-              <a:t>9/25/2014</a:t>
+              <a:t>9/26/2014</a:t>
             </a:fld>
             <a:endParaRPr lang="en-US" dirty="0"/>
           </a:p>
@@ -1206,7 +1206,7 @@
             <a:fld id="{AA592FF2-A4BD-4E98-AC76-A10007E04C10}" type="datetimeFigureOut">
               <a:rPr lang="en-US" smtClean="0"/>
               <a:pPr/>
-              <a:t>9/25/2014</a:t>
+              <a:t>9/26/2014</a:t>
             </a:fld>
             <a:endParaRPr lang="en-US" dirty="0"/>
           </a:p>
@@ -11979,11 +11979,7 @@
             </a:pPr>
             <a:r>
               <a:rPr lang="en-US" dirty="0" smtClean="0"/>
-              <a:t>A </a:t>
-            </a:r>
-            <a:r>
-              <a:rPr lang="en-US" dirty="0" smtClean="0"/>
-              <a:t>test network of enterprise or campus level</a:t>
+              <a:t>A test network of enterprise or campus level</a:t>
             </a:r>
           </a:p>
           <a:p>
@@ -11996,11 +11992,7 @@
             </a:pPr>
             <a:r>
               <a:rPr lang="en-US" dirty="0" smtClean="0"/>
-              <a:t>Large </a:t>
-            </a:r>
-            <a:r>
-              <a:rPr lang="en-US" dirty="0" smtClean="0"/>
-              <a:t>amount of users</a:t>
+              <a:t>Large amount of users</a:t>
             </a:r>
           </a:p>
           <a:p>
@@ -12758,7 +12750,6 @@
               <a:rPr lang="en-US" dirty="0" smtClean="0"/>
               <a:t>Network architecture</a:t>
             </a:r>
-            <a:endParaRPr lang="en-US" dirty="0" smtClean="0"/>
           </a:p>
           <a:p>
             <a:pPr lvl="1"/>
@@ -12880,15 +12871,11 @@
             </a:br>
             <a:r>
               <a:rPr lang="de-DE" dirty="0" smtClean="0"/>
-              <a:t>- </a:t>
-            </a:r>
-            <a:r>
-              <a:rPr lang="de-DE" dirty="0" smtClean="0"/>
-              <a:t>Network a</a:t>
-            </a:r>
-            <a:r>
-              <a:rPr lang="en-US" dirty="0" err="1" smtClean="0"/>
-              <a:t>rchitecture</a:t>
+              <a:t>- Network </a:t>
+            </a:r>
+            <a:r>
+              <a:rPr lang="en-US" dirty="0" smtClean="0"/>
+              <a:t>architecture</a:t>
             </a:r>
             <a:endParaRPr lang="de-DE" dirty="0"/>
           </a:p>
@@ -13542,8 +13529,16 @@
               <a:t>- </a:t>
             </a:r>
             <a:r>
+              <a:rPr lang="de-DE" dirty="0" smtClean="0"/>
+              <a:t>Ab</a:t>
+            </a:r>
+            <a:r>
+              <a:rPr lang="en-US" dirty="0" smtClean="0"/>
+              <a:t>normal </a:t>
+            </a:r>
+            <a:r>
               <a:rPr lang="en-US" dirty="0"/>
-              <a:t>Normal scenario</a:t>
+              <a:t>scenario</a:t>
             </a:r>
             <a:endParaRPr lang="de-DE" dirty="0"/>
           </a:p>
@@ -15359,7 +15354,7 @@
   <a:extraClrSchemeLst/>
   <a:extLst>
     <a:ext uri="{05A4C25C-085E-4340-85A3-A5531E510DB2}">
-      <thm15:themeFamily xmlns="" xmlns:thm15="http://schemas.microsoft.com/office/thememl/2012/main" name="TEMPLATE_HPI_05_EXP" id="{EEEEA749-3836-4DC6-BA52-AE8D0ADE122A}" vid="{1AF48529-3759-4302-91D0-708D448B88CB}"/>
+      <thm15:themeFamily xmlns:thm15="http://schemas.microsoft.com/office/thememl/2012/main" xmlns="" name="TEMPLATE_HPI_05_EXP" id="{EEEEA749-3836-4DC6-BA52-AE8D0ADE122A}" vid="{1AF48529-3759-4302-91D0-708D448B88CB}"/>
     </a:ext>
   </a:extLst>
 </a:theme>
